--- a/Docs/01 CSharp 네트워크 프로그래밍 기초.pptx
+++ b/Docs/01 CSharp 네트워크 프로그래밍 기초.pptx
@@ -5,7 +5,7 @@
     <p:sldMasterId id="2147483648" r:id="rId1"/>
   </p:sldMasterIdLst>
   <p:notesMasterIdLst>
-    <p:notesMasterId r:id="rId31"/>
+    <p:notesMasterId r:id="rId30"/>
   </p:notesMasterIdLst>
   <p:sldIdLst>
     <p:sldId id="256" r:id="rId2"/>
@@ -30,13 +30,12 @@
     <p:sldId id="288" r:id="rId21"/>
     <p:sldId id="289" r:id="rId22"/>
     <p:sldId id="282" r:id="rId23"/>
-    <p:sldId id="272" r:id="rId24"/>
-    <p:sldId id="281" r:id="rId25"/>
-    <p:sldId id="277" r:id="rId26"/>
+    <p:sldId id="281" r:id="rId24"/>
+    <p:sldId id="277" r:id="rId25"/>
+    <p:sldId id="278" r:id="rId26"/>
     <p:sldId id="279" r:id="rId27"/>
-    <p:sldId id="278" r:id="rId28"/>
-    <p:sldId id="264" r:id="rId29"/>
-    <p:sldId id="290" r:id="rId30"/>
+    <p:sldId id="264" r:id="rId28"/>
+    <p:sldId id="290" r:id="rId29"/>
   </p:sldIdLst>
   <p:sldSz cx="12192000" cy="6858000"/>
   <p:notesSz cx="6858000" cy="9144000"/>
@@ -240,7 +239,7 @@
           <a:p>
             <a:fld id="{87173173-224C-49C4-99A8-AF006EBB9A84}" type="datetimeFigureOut">
               <a:rPr lang="ko-KR" altLang="en-US" smtClean="0"/>
-              <a:t>2017-08-25</a:t>
+              <a:t>2019-07-08</a:t>
             </a:fld>
             <a:endParaRPr lang="ko-KR" altLang="en-US"/>
           </a:p>
@@ -636,7 +635,7 @@
           <a:p>
             <a:fld id="{E6293916-671A-4AAC-9E4B-888A786A519A}" type="datetimeFigureOut">
               <a:rPr lang="ko-KR" altLang="en-US" smtClean="0"/>
-              <a:t>2017-08-25</a:t>
+              <a:t>2019-07-08</a:t>
             </a:fld>
             <a:endParaRPr lang="ko-KR" altLang="en-US"/>
           </a:p>
@@ -804,7 +803,7 @@
           <a:p>
             <a:fld id="{E6293916-671A-4AAC-9E4B-888A786A519A}" type="datetimeFigureOut">
               <a:rPr lang="ko-KR" altLang="en-US" smtClean="0"/>
-              <a:t>2017-08-25</a:t>
+              <a:t>2019-07-08</a:t>
             </a:fld>
             <a:endParaRPr lang="ko-KR" altLang="en-US"/>
           </a:p>
@@ -982,7 +981,7 @@
           <a:p>
             <a:fld id="{E6293916-671A-4AAC-9E4B-888A786A519A}" type="datetimeFigureOut">
               <a:rPr lang="ko-KR" altLang="en-US" smtClean="0"/>
-              <a:t>2017-08-25</a:t>
+              <a:t>2019-07-08</a:t>
             </a:fld>
             <a:endParaRPr lang="ko-KR" altLang="en-US"/>
           </a:p>
@@ -1150,7 +1149,7 @@
           <a:p>
             <a:fld id="{E6293916-671A-4AAC-9E4B-888A786A519A}" type="datetimeFigureOut">
               <a:rPr lang="ko-KR" altLang="en-US" smtClean="0"/>
-              <a:t>2017-08-25</a:t>
+              <a:t>2019-07-08</a:t>
             </a:fld>
             <a:endParaRPr lang="ko-KR" altLang="en-US"/>
           </a:p>
@@ -1395,7 +1394,7 @@
           <a:p>
             <a:fld id="{E6293916-671A-4AAC-9E4B-888A786A519A}" type="datetimeFigureOut">
               <a:rPr lang="ko-KR" altLang="en-US" smtClean="0"/>
-              <a:t>2017-08-25</a:t>
+              <a:t>2019-07-08</a:t>
             </a:fld>
             <a:endParaRPr lang="ko-KR" altLang="en-US"/>
           </a:p>
@@ -1624,7 +1623,7 @@
           <a:p>
             <a:fld id="{E6293916-671A-4AAC-9E4B-888A786A519A}" type="datetimeFigureOut">
               <a:rPr lang="ko-KR" altLang="en-US" smtClean="0"/>
-              <a:t>2017-08-25</a:t>
+              <a:t>2019-07-08</a:t>
             </a:fld>
             <a:endParaRPr lang="ko-KR" altLang="en-US"/>
           </a:p>
@@ -1988,7 +1987,7 @@
           <a:p>
             <a:fld id="{E6293916-671A-4AAC-9E4B-888A786A519A}" type="datetimeFigureOut">
               <a:rPr lang="ko-KR" altLang="en-US" smtClean="0"/>
-              <a:t>2017-08-25</a:t>
+              <a:t>2019-07-08</a:t>
             </a:fld>
             <a:endParaRPr lang="ko-KR" altLang="en-US"/>
           </a:p>
@@ -2105,7 +2104,7 @@
           <a:p>
             <a:fld id="{E6293916-671A-4AAC-9E4B-888A786A519A}" type="datetimeFigureOut">
               <a:rPr lang="ko-KR" altLang="en-US" smtClean="0"/>
-              <a:t>2017-08-25</a:t>
+              <a:t>2019-07-08</a:t>
             </a:fld>
             <a:endParaRPr lang="ko-KR" altLang="en-US"/>
           </a:p>
@@ -2200,7 +2199,7 @@
           <a:p>
             <a:fld id="{E6293916-671A-4AAC-9E4B-888A786A519A}" type="datetimeFigureOut">
               <a:rPr lang="ko-KR" altLang="en-US" smtClean="0"/>
-              <a:t>2017-08-25</a:t>
+              <a:t>2019-07-08</a:t>
             </a:fld>
             <a:endParaRPr lang="ko-KR" altLang="en-US"/>
           </a:p>
@@ -2475,7 +2474,7 @@
           <a:p>
             <a:fld id="{E6293916-671A-4AAC-9E4B-888A786A519A}" type="datetimeFigureOut">
               <a:rPr lang="ko-KR" altLang="en-US" smtClean="0"/>
-              <a:t>2017-08-25</a:t>
+              <a:t>2019-07-08</a:t>
             </a:fld>
             <a:endParaRPr lang="ko-KR" altLang="en-US"/>
           </a:p>
@@ -2727,7 +2726,7 @@
           <a:p>
             <a:fld id="{E6293916-671A-4AAC-9E4B-888A786A519A}" type="datetimeFigureOut">
               <a:rPr lang="ko-KR" altLang="en-US" smtClean="0"/>
-              <a:t>2017-08-25</a:t>
+              <a:t>2019-07-08</a:t>
             </a:fld>
             <a:endParaRPr lang="ko-KR" altLang="en-US"/>
           </a:p>
@@ -2938,7 +2937,7 @@
           <a:p>
             <a:fld id="{E6293916-671A-4AAC-9E4B-888A786A519A}" type="datetimeFigureOut">
               <a:rPr lang="ko-KR" altLang="en-US" smtClean="0"/>
-              <a:t>2017-08-25</a:t>
+              <a:t>2019-07-08</a:t>
             </a:fld>
             <a:endParaRPr lang="ko-KR" altLang="en-US"/>
           </a:p>
@@ -3789,7 +3788,7 @@
           <p:cNvPr id="4" name="직사각형 3">
             <a:extLst>
               <a:ext uri="{FF2B5EF4-FFF2-40B4-BE49-F238E27FC236}">
-                <a16:creationId xmlns:a16="http://schemas.microsoft.com/office/drawing/2014/main" id="{F0D6CBCC-4960-49FF-98F4-89E06C604CD6}"/>
+                <a16:creationId xmlns:a16="http://schemas.microsoft.com/office/drawing/2014/main" xmlns="" id="{F0D6CBCC-4960-49FF-98F4-89E06C604CD6}"/>
               </a:ext>
             </a:extLst>
           </p:cNvPr>
@@ -3949,7 +3948,7 @@
           <p:cNvPr id="5" name="직사각형 4">
             <a:extLst>
               <a:ext uri="{FF2B5EF4-FFF2-40B4-BE49-F238E27FC236}">
-                <a16:creationId xmlns:a16="http://schemas.microsoft.com/office/drawing/2014/main" id="{616F6565-41D1-4F2D-8738-BF7DDAE7D846}"/>
+                <a16:creationId xmlns:a16="http://schemas.microsoft.com/office/drawing/2014/main" xmlns="" id="{616F6565-41D1-4F2D-8738-BF7DDAE7D846}"/>
               </a:ext>
             </a:extLst>
           </p:cNvPr>
@@ -4001,7 +4000,7 @@
           <p:cNvPr id="6" name="직사각형 5">
             <a:extLst>
               <a:ext uri="{FF2B5EF4-FFF2-40B4-BE49-F238E27FC236}">
-                <a16:creationId xmlns:a16="http://schemas.microsoft.com/office/drawing/2014/main" id="{2AC3EDA7-F308-43DF-B629-952C8E42C45E}"/>
+                <a16:creationId xmlns:a16="http://schemas.microsoft.com/office/drawing/2014/main" xmlns="" id="{2AC3EDA7-F308-43DF-B629-952C8E42C45E}"/>
               </a:ext>
             </a:extLst>
           </p:cNvPr>
@@ -4122,7 +4121,7 @@
           <p:cNvPr id="7" name="직사각형 6">
             <a:extLst>
               <a:ext uri="{FF2B5EF4-FFF2-40B4-BE49-F238E27FC236}">
-                <a16:creationId xmlns:a16="http://schemas.microsoft.com/office/drawing/2014/main" id="{A5F2D453-7FBC-471F-AEF2-F4EF4EA0B052}"/>
+                <a16:creationId xmlns:a16="http://schemas.microsoft.com/office/drawing/2014/main" xmlns="" id="{A5F2D453-7FBC-471F-AEF2-F4EF4EA0B052}"/>
               </a:ext>
             </a:extLst>
           </p:cNvPr>
@@ -4162,7 +4161,7 @@
           <p:cNvPr id="8" name="직사각형 7">
             <a:extLst>
               <a:ext uri="{FF2B5EF4-FFF2-40B4-BE49-F238E27FC236}">
-                <a16:creationId xmlns:a16="http://schemas.microsoft.com/office/drawing/2014/main" id="{0DAAC4B8-FEFE-4DBC-A8A0-EE3865411A90}"/>
+                <a16:creationId xmlns:a16="http://schemas.microsoft.com/office/drawing/2014/main" xmlns="" id="{0DAAC4B8-FEFE-4DBC-A8A0-EE3865411A90}"/>
               </a:ext>
             </a:extLst>
           </p:cNvPr>
@@ -4205,7 +4204,7 @@
           <p:cNvPr id="9" name="직사각형 8">
             <a:extLst>
               <a:ext uri="{FF2B5EF4-FFF2-40B4-BE49-F238E27FC236}">
-                <a16:creationId xmlns:a16="http://schemas.microsoft.com/office/drawing/2014/main" id="{FE7850F9-512F-4C63-A1AB-23A6DDBA5ADC}"/>
+                <a16:creationId xmlns:a16="http://schemas.microsoft.com/office/drawing/2014/main" xmlns="" id="{FE7850F9-512F-4C63-A1AB-23A6DDBA5ADC}"/>
               </a:ext>
             </a:extLst>
           </p:cNvPr>
@@ -4248,7 +4247,7 @@
           <p:cNvPr id="10" name="직사각형 9">
             <a:extLst>
               <a:ext uri="{FF2B5EF4-FFF2-40B4-BE49-F238E27FC236}">
-                <a16:creationId xmlns:a16="http://schemas.microsoft.com/office/drawing/2014/main" id="{C03B250E-08E1-4E12-9267-1473BE5ED2A9}"/>
+                <a16:creationId xmlns:a16="http://schemas.microsoft.com/office/drawing/2014/main" xmlns="" id="{C03B250E-08E1-4E12-9267-1473BE5ED2A9}"/>
               </a:ext>
             </a:extLst>
           </p:cNvPr>
@@ -4392,7 +4391,7 @@
           <p:cNvPr id="5" name="직사각형 4">
             <a:extLst>
               <a:ext uri="{FF2B5EF4-FFF2-40B4-BE49-F238E27FC236}">
-                <a16:creationId xmlns:a16="http://schemas.microsoft.com/office/drawing/2014/main" id="{616F6565-41D1-4F2D-8738-BF7DDAE7D846}"/>
+                <a16:creationId xmlns:a16="http://schemas.microsoft.com/office/drawing/2014/main" xmlns="" id="{616F6565-41D1-4F2D-8738-BF7DDAE7D846}"/>
               </a:ext>
             </a:extLst>
           </p:cNvPr>
@@ -4440,7 +4439,7 @@
           <p:cNvPr id="4" name="직사각형 3">
             <a:extLst>
               <a:ext uri="{FF2B5EF4-FFF2-40B4-BE49-F238E27FC236}">
-                <a16:creationId xmlns:a16="http://schemas.microsoft.com/office/drawing/2014/main" id="{814E2B6D-CB78-41F5-A1D5-CF3FB9B2BAEB}"/>
+                <a16:creationId xmlns:a16="http://schemas.microsoft.com/office/drawing/2014/main" xmlns="" id="{814E2B6D-CB78-41F5-A1D5-CF3FB9B2BAEB}"/>
               </a:ext>
             </a:extLst>
           </p:cNvPr>
@@ -4573,7 +4572,7 @@
           <p:cNvPr id="6" name="직사각형 5">
             <a:extLst>
               <a:ext uri="{FF2B5EF4-FFF2-40B4-BE49-F238E27FC236}">
-                <a16:creationId xmlns:a16="http://schemas.microsoft.com/office/drawing/2014/main" id="{7338649B-428A-4F44-A005-156F9C243599}"/>
+                <a16:creationId xmlns:a16="http://schemas.microsoft.com/office/drawing/2014/main" xmlns="" id="{7338649B-428A-4F44-A005-156F9C243599}"/>
               </a:ext>
             </a:extLst>
           </p:cNvPr>
@@ -4714,7 +4713,7 @@
           <p:cNvPr id="5" name="직사각형 4">
             <a:extLst>
               <a:ext uri="{FF2B5EF4-FFF2-40B4-BE49-F238E27FC236}">
-                <a16:creationId xmlns:a16="http://schemas.microsoft.com/office/drawing/2014/main" id="{616F6565-41D1-4F2D-8738-BF7DDAE7D846}"/>
+                <a16:creationId xmlns:a16="http://schemas.microsoft.com/office/drawing/2014/main" xmlns="" id="{616F6565-41D1-4F2D-8738-BF7DDAE7D846}"/>
               </a:ext>
             </a:extLst>
           </p:cNvPr>
@@ -4782,7 +4781,7 @@
           <p:cNvPr id="4" name="직사각형 3">
             <a:extLst>
               <a:ext uri="{FF2B5EF4-FFF2-40B4-BE49-F238E27FC236}">
-                <a16:creationId xmlns:a16="http://schemas.microsoft.com/office/drawing/2014/main" id="{814E2B6D-CB78-41F5-A1D5-CF3FB9B2BAEB}"/>
+                <a16:creationId xmlns:a16="http://schemas.microsoft.com/office/drawing/2014/main" xmlns="" id="{814E2B6D-CB78-41F5-A1D5-CF3FB9B2BAEB}"/>
               </a:ext>
             </a:extLst>
           </p:cNvPr>
@@ -5016,7 +5015,7 @@
           <p:cNvPr id="5" name="직사각형 4">
             <a:extLst>
               <a:ext uri="{FF2B5EF4-FFF2-40B4-BE49-F238E27FC236}">
-                <a16:creationId xmlns:a16="http://schemas.microsoft.com/office/drawing/2014/main" id="{616F6565-41D1-4F2D-8738-BF7DDAE7D846}"/>
+                <a16:creationId xmlns:a16="http://schemas.microsoft.com/office/drawing/2014/main" xmlns="" id="{616F6565-41D1-4F2D-8738-BF7DDAE7D846}"/>
               </a:ext>
             </a:extLst>
           </p:cNvPr>
@@ -5304,7 +5303,7 @@
           <p:cNvPr id="5" name="직사각형 4">
             <a:extLst>
               <a:ext uri="{FF2B5EF4-FFF2-40B4-BE49-F238E27FC236}">
-                <a16:creationId xmlns:a16="http://schemas.microsoft.com/office/drawing/2014/main" id="{616F6565-41D1-4F2D-8738-BF7DDAE7D846}"/>
+                <a16:creationId xmlns:a16="http://schemas.microsoft.com/office/drawing/2014/main" xmlns="" id="{616F6565-41D1-4F2D-8738-BF7DDAE7D846}"/>
               </a:ext>
             </a:extLst>
           </p:cNvPr>
@@ -5356,7 +5355,7 @@
           <p:cNvPr id="4" name="직사각형 3">
             <a:extLst>
               <a:ext uri="{FF2B5EF4-FFF2-40B4-BE49-F238E27FC236}">
-                <a16:creationId xmlns:a16="http://schemas.microsoft.com/office/drawing/2014/main" id="{65717542-0E8D-469D-B7DB-29D5379971E3}"/>
+                <a16:creationId xmlns:a16="http://schemas.microsoft.com/office/drawing/2014/main" xmlns="" id="{65717542-0E8D-469D-B7DB-29D5379971E3}"/>
               </a:ext>
             </a:extLst>
           </p:cNvPr>
@@ -6096,7 +6095,7 @@
           <p:cNvPr id="23" name="직사각형 22">
             <a:extLst>
               <a:ext uri="{FF2B5EF4-FFF2-40B4-BE49-F238E27FC236}">
-                <a16:creationId xmlns:a16="http://schemas.microsoft.com/office/drawing/2014/main" id="{B7DF16D3-209F-4CFC-A045-7DAA55AB8880}"/>
+                <a16:creationId xmlns:a16="http://schemas.microsoft.com/office/drawing/2014/main" xmlns="" id="{B7DF16D3-209F-4CFC-A045-7DAA55AB8880}"/>
               </a:ext>
             </a:extLst>
           </p:cNvPr>
@@ -7088,14 +7087,14 @@
                 <a:gridCol w="3456384">
                   <a:extLst>
                     <a:ext uri="{9D8B030D-6E8A-4147-A177-3AD203B41FA5}">
-                      <a16:colId xmlns:a16="http://schemas.microsoft.com/office/drawing/2014/main" val="20000"/>
+                      <a16:colId xmlns:a16="http://schemas.microsoft.com/office/drawing/2014/main" xmlns="" val="20000"/>
                     </a:ext>
                   </a:extLst>
                 </a:gridCol>
                 <a:gridCol w="5472608">
                   <a:extLst>
                     <a:ext uri="{9D8B030D-6E8A-4147-A177-3AD203B41FA5}">
-                      <a16:colId xmlns:a16="http://schemas.microsoft.com/office/drawing/2014/main" val="20001"/>
+                      <a16:colId xmlns:a16="http://schemas.microsoft.com/office/drawing/2014/main" xmlns="" val="20001"/>
                     </a:ext>
                   </a:extLst>
                 </a:gridCol>
@@ -7131,7 +7130,7 @@
                 </a:tc>
                 <a:extLst>
                   <a:ext uri="{0D108BD9-81ED-4DB2-BD59-A6C34878D82A}">
-                    <a16:rowId xmlns:a16="http://schemas.microsoft.com/office/drawing/2014/main" val="10000"/>
+                    <a16:rowId xmlns:a16="http://schemas.microsoft.com/office/drawing/2014/main" xmlns="" val="10000"/>
                   </a:ext>
                 </a:extLst>
               </a:tr>
@@ -7176,7 +7175,7 @@
                 </a:tc>
                 <a:extLst>
                   <a:ext uri="{0D108BD9-81ED-4DB2-BD59-A6C34878D82A}">
-                    <a16:rowId xmlns:a16="http://schemas.microsoft.com/office/drawing/2014/main" val="10001"/>
+                    <a16:rowId xmlns:a16="http://schemas.microsoft.com/office/drawing/2014/main" xmlns="" val="10001"/>
                   </a:ext>
                 </a:extLst>
               </a:tr>
@@ -7216,7 +7215,7 @@
                 </a:tc>
                 <a:extLst>
                   <a:ext uri="{0D108BD9-81ED-4DB2-BD59-A6C34878D82A}">
-                    <a16:rowId xmlns:a16="http://schemas.microsoft.com/office/drawing/2014/main" val="10002"/>
+                    <a16:rowId xmlns:a16="http://schemas.microsoft.com/office/drawing/2014/main" xmlns="" val="10002"/>
                   </a:ext>
                 </a:extLst>
               </a:tr>
@@ -7252,7 +7251,7 @@
                 </a:tc>
                 <a:extLst>
                   <a:ext uri="{0D108BD9-81ED-4DB2-BD59-A6C34878D82A}">
-                    <a16:rowId xmlns:a16="http://schemas.microsoft.com/office/drawing/2014/main" val="10003"/>
+                    <a16:rowId xmlns:a16="http://schemas.microsoft.com/office/drawing/2014/main" xmlns="" val="10003"/>
                   </a:ext>
                 </a:extLst>
               </a:tr>
@@ -7297,7 +7296,7 @@
                 </a:tc>
                 <a:extLst>
                   <a:ext uri="{0D108BD9-81ED-4DB2-BD59-A6C34878D82A}">
-                    <a16:rowId xmlns:a16="http://schemas.microsoft.com/office/drawing/2014/main" val="10004"/>
+                    <a16:rowId xmlns:a16="http://schemas.microsoft.com/office/drawing/2014/main" xmlns="" val="10004"/>
                   </a:ext>
                 </a:extLst>
               </a:tr>
@@ -7333,7 +7332,7 @@
                 </a:tc>
                 <a:extLst>
                   <a:ext uri="{0D108BD9-81ED-4DB2-BD59-A6C34878D82A}">
-                    <a16:rowId xmlns:a16="http://schemas.microsoft.com/office/drawing/2014/main" val="10005"/>
+                    <a16:rowId xmlns:a16="http://schemas.microsoft.com/office/drawing/2014/main" xmlns="" val="10005"/>
                   </a:ext>
                 </a:extLst>
               </a:tr>
@@ -7378,7 +7377,7 @@
                 </a:tc>
                 <a:extLst>
                   <a:ext uri="{0D108BD9-81ED-4DB2-BD59-A6C34878D82A}">
-                    <a16:rowId xmlns:a16="http://schemas.microsoft.com/office/drawing/2014/main" val="10006"/>
+                    <a16:rowId xmlns:a16="http://schemas.microsoft.com/office/drawing/2014/main" xmlns="" val="10006"/>
                   </a:ext>
                 </a:extLst>
               </a:tr>
@@ -7418,7 +7417,7 @@
                 </a:tc>
                 <a:extLst>
                   <a:ext uri="{0D108BD9-81ED-4DB2-BD59-A6C34878D82A}">
-                    <a16:rowId xmlns:a16="http://schemas.microsoft.com/office/drawing/2014/main" val="10007"/>
+                    <a16:rowId xmlns:a16="http://schemas.microsoft.com/office/drawing/2014/main" xmlns="" val="10007"/>
                   </a:ext>
                 </a:extLst>
               </a:tr>
@@ -7458,7 +7457,7 @@
                 </a:tc>
                 <a:extLst>
                   <a:ext uri="{0D108BD9-81ED-4DB2-BD59-A6C34878D82A}">
-                    <a16:rowId xmlns:a16="http://schemas.microsoft.com/office/drawing/2014/main" val="10008"/>
+                    <a16:rowId xmlns:a16="http://schemas.microsoft.com/office/drawing/2014/main" xmlns="" val="10008"/>
                   </a:ext>
                 </a:extLst>
               </a:tr>
@@ -7502,7 +7501,7 @@
                 </a:tc>
                 <a:extLst>
                   <a:ext uri="{0D108BD9-81ED-4DB2-BD59-A6C34878D82A}">
-                    <a16:rowId xmlns:a16="http://schemas.microsoft.com/office/drawing/2014/main" val="10009"/>
+                    <a16:rowId xmlns:a16="http://schemas.microsoft.com/office/drawing/2014/main" xmlns="" val="10009"/>
                   </a:ext>
                 </a:extLst>
               </a:tr>
@@ -7818,8 +7817,8 @@
         </p:nvSpPr>
         <p:spPr>
           <a:xfrm>
-            <a:off x="2047458" y="1862526"/>
-            <a:ext cx="7901458" cy="2862322"/>
+            <a:off x="2615629" y="539753"/>
+            <a:ext cx="6561604" cy="1938992"/>
           </a:xfrm>
           <a:prstGeom prst="rect">
             <a:avLst/>
@@ -7832,79 +7831,97 @@
           <a:lstStyle/>
           <a:p>
             <a:r>
-              <a:rPr lang="en-US" altLang="ko-KR" sz="7200" b="1"/>
-              <a:t>Basic_TCPClient</a:t>
+              <a:rPr lang="en-US" altLang="ko-KR" sz="6000" b="1" dirty="0" smtClean="0"/>
+              <a:t>Basic </a:t>
+            </a:r>
+            <a:r>
+              <a:rPr lang="en-US" altLang="ko-KR" sz="6000" b="1" dirty="0" err="1" smtClean="0"/>
+              <a:t>TCPClient</a:t>
+            </a:r>
+            <a:r>
+              <a:rPr lang="en-US" altLang="ko-KR" sz="6000" b="1" dirty="0"/>
+              <a:t/>
             </a:r>
             <a:br>
-              <a:rPr lang="en-US" altLang="ko-KR" sz="7200" b="1"/>
+              <a:rPr lang="en-US" altLang="ko-KR" sz="6000" b="1" dirty="0"/>
             </a:br>
-            <a:endParaRPr lang="en-US" altLang="ko-KR" sz="3600" b="1"/>
-          </a:p>
-          <a:p>
-            <a:r>
-              <a:rPr lang="en-US" altLang="ko-KR" sz="7200" b="1"/>
-              <a:t>Basic_TCPListener</a:t>
-            </a:r>
-            <a:endParaRPr lang="ko-KR" altLang="en-US" sz="7200" b="1" dirty="0"/>
-          </a:p>
-        </p:txBody>
-      </p:sp>
-      <p:sp>
-        <p:nvSpPr>
-          <p:cNvPr id="4" name="직사각형 3">
-            <a:extLst>
-              <a:ext uri="{FF2B5EF4-FFF2-40B4-BE49-F238E27FC236}">
-                <a16:creationId xmlns:a16="http://schemas.microsoft.com/office/drawing/2014/main" id="{F0D6CBCC-4960-49FF-98F4-89E06C604CD6}"/>
-              </a:ext>
-            </a:extLst>
-          </p:cNvPr>
+            <a:r>
+              <a:rPr lang="en-US" altLang="ko-KR" sz="6000" b="1" dirty="0" smtClean="0"/>
+              <a:t>Basic </a:t>
+            </a:r>
+            <a:r>
+              <a:rPr lang="en-US" altLang="ko-KR" sz="6000" b="1" dirty="0" err="1" smtClean="0"/>
+              <a:t>TCPListener</a:t>
+            </a:r>
+            <a:endParaRPr lang="ko-KR" altLang="en-US" sz="6000" b="1" dirty="0"/>
+          </a:p>
+        </p:txBody>
+      </p:sp>
+      <p:sp>
+        <p:nvSpPr>
+          <p:cNvPr id="3" name="직사각형 2"/>
           <p:cNvSpPr/>
           <p:nvPr/>
         </p:nvSpPr>
         <p:spPr>
           <a:xfrm>
-            <a:off x="630584" y="460603"/>
-            <a:ext cx="4528804" cy="923330"/>
-          </a:xfrm>
-          <a:prstGeom prst="rect">
-            <a:avLst/>
-          </a:prstGeom>
-        </p:spPr>
-        <p:txBody>
-          <a:bodyPr wrap="none">
+            <a:off x="2027067" y="2583804"/>
+            <a:ext cx="8057965" cy="461665"/>
+          </a:xfrm>
+          <a:prstGeom prst="rect">
+            <a:avLst/>
+          </a:prstGeom>
+        </p:spPr>
+        <p:txBody>
+          <a:bodyPr wrap="square">
             <a:spAutoFit/>
           </a:bodyPr>
           <a:lstStyle/>
           <a:p>
-            <a:r>
-              <a:rPr lang="en-US" altLang="ko-KR" sz="5400" b="1" dirty="0">
-                <a:solidFill>
-                  <a:srgbClr val="002060"/>
-                </a:solidFill>
+            <a:pPr marL="171450" indent="-171450">
+              <a:buFont typeface="Wingdings" panose="05000000000000000000" pitchFamily="2" charset="2"/>
+              <a:buChar char="§"/>
+            </a:pPr>
+            <a:r>
+              <a:rPr lang="ko-KR" altLang="en-US" sz="1200" dirty="0">
+                <a:hlinkClick r:id="rId2"/>
               </a:rPr>
-              <a:t>Sample</a:t>
-            </a:r>
-            <a:r>
-              <a:rPr lang="ko-KR" altLang="en-US" sz="5400" b="1" dirty="0">
-                <a:solidFill>
-                  <a:srgbClr val="002060"/>
-                </a:solidFill>
+              <a:t>http://www.csharpstudy.com/net/article/4-TCP-%</a:t>
+            </a:r>
+            <a:r>
+              <a:rPr lang="ko-KR" altLang="en-US" sz="1200" dirty="0" smtClean="0">
+                <a:hlinkClick r:id="rId2"/>
               </a:rPr>
+              <a:t>ed%81%b4%eb%9d%bc%ec%9d%b4%ec%96%b8%ed%8a%b8</a:t>
+            </a:r>
+            <a:r>
+              <a:rPr lang="ko-KR" altLang="en-US" sz="1200" dirty="0" smtClean="0"/>
               <a:t> </a:t>
             </a:r>
-            <a:r>
-              <a:rPr lang="en-US" altLang="ko-KR" sz="5400" b="1" dirty="0">
-                <a:solidFill>
-                  <a:srgbClr val="002060"/>
-                </a:solidFill>
+            <a:endParaRPr lang="ko-KR" altLang="en-US" sz="1200" dirty="0"/>
+          </a:p>
+          <a:p>
+            <a:pPr marL="171450" indent="-171450">
+              <a:buFont typeface="Wingdings" panose="05000000000000000000" pitchFamily="2" charset="2"/>
+              <a:buChar char="§"/>
+            </a:pPr>
+            <a:r>
+              <a:rPr lang="ko-KR" altLang="en-US" sz="1200" dirty="0">
+                <a:hlinkClick r:id="rId3"/>
               </a:rPr>
-              <a:t>Code</a:t>
-            </a:r>
-            <a:endParaRPr lang="ko-KR" altLang="en-US" sz="5400" b="1" dirty="0">
-              <a:solidFill>
-                <a:srgbClr val="002060"/>
-              </a:solidFill>
-            </a:endParaRPr>
+              <a:t>http://www.csharpstudy.com/net/article/5-TCP-%</a:t>
+            </a:r>
+            <a:r>
+              <a:rPr lang="ko-KR" altLang="en-US" sz="1200" dirty="0" smtClean="0">
+                <a:hlinkClick r:id="rId3"/>
+              </a:rPr>
+              <a:t>ec%84%9c%eb%b2%84</a:t>
+            </a:r>
+            <a:r>
+              <a:rPr lang="ko-KR" altLang="en-US" sz="1200" dirty="0" smtClean="0"/>
+              <a:t> </a:t>
+            </a:r>
+            <a:endParaRPr lang="ko-KR" altLang="en-US" sz="1200" dirty="0"/>
           </a:p>
         </p:txBody>
       </p:sp>
@@ -7946,8 +7963,8 @@
         </p:nvSpPr>
         <p:spPr>
           <a:xfrm>
-            <a:off x="577336" y="385320"/>
-            <a:ext cx="8757590" cy="646331"/>
+            <a:off x="1936740" y="972476"/>
+            <a:ext cx="8986371" cy="1200329"/>
           </a:xfrm>
           <a:prstGeom prst="rect">
             <a:avLst/>
@@ -7960,18 +7977,10 @@
           <a:lstStyle/>
           <a:p>
             <a:r>
-              <a:rPr lang="ko-KR" altLang="en-US" sz="3600" b="1"/>
-              <a:t>멀티스레드를 사용한 </a:t>
-            </a:r>
-            <a:r>
-              <a:rPr lang="en-US" altLang="ko-KR" sz="3600" b="1"/>
-              <a:t>TCP Server </a:t>
-            </a:r>
-            <a:r>
-              <a:rPr lang="ko-KR" altLang="en-US" sz="3600" b="1"/>
-              <a:t>만들기 </a:t>
-            </a:r>
-            <a:endParaRPr lang="ko-KR" altLang="en-US" sz="3600" b="1" dirty="0"/>
+              <a:rPr lang="en-US" altLang="ko-KR" sz="7200" b="1" dirty="0" smtClean="0"/>
+              <a:t>Multi Thread Server</a:t>
+            </a:r>
+            <a:endParaRPr lang="ko-KR" altLang="en-US" sz="7200" b="1" dirty="0"/>
           </a:p>
         </p:txBody>
       </p:sp>
@@ -7983,55 +7992,47 @@
         </p:nvSpPr>
         <p:spPr>
           <a:xfrm>
-            <a:off x="719138" y="1430839"/>
-            <a:ext cx="10668000" cy="923330"/>
-          </a:xfrm>
-          <a:prstGeom prst="rect">
-            <a:avLst/>
-          </a:prstGeom>
-        </p:spPr>
-        <p:txBody>
-          <a:bodyPr wrap="square">
+            <a:off x="5199503" y="2436466"/>
+            <a:ext cx="1752403" cy="276999"/>
+          </a:xfrm>
+          <a:prstGeom prst="rect">
+            <a:avLst/>
+          </a:prstGeom>
+        </p:spPr>
+        <p:txBody>
+          <a:bodyPr wrap="none">
             <a:spAutoFit/>
           </a:bodyPr>
           <a:lstStyle/>
           <a:p>
-            <a:r>
-              <a:rPr lang="ko-KR" altLang="en-US" dirty="0"/>
-              <a:t>예제 코드</a:t>
-            </a:r>
-            <a:r>
-              <a:rPr lang="en-US" altLang="ko-KR" dirty="0"/>
-              <a:t>:</a:t>
-            </a:r>
-          </a:p>
-          <a:p>
-            <a:r>
-              <a:rPr lang="en-US" altLang="ko-KR" dirty="0" err="1"/>
-              <a:t>SyncIO</a:t>
-            </a:r>
-            <a:r>
-              <a:rPr lang="en-US" altLang="ko-KR" dirty="0"/>
-              <a:t>/MultiThread_Client.txt</a:t>
-            </a:r>
-          </a:p>
-          <a:p>
-            <a:r>
-              <a:rPr lang="en-US" altLang="ko-KR" dirty="0" err="1"/>
-              <a:t>SyncIO</a:t>
-            </a:r>
-            <a:r>
-              <a:rPr lang="en-US" altLang="ko-KR" dirty="0"/>
-              <a:t>/MultiThread_Server.txt</a:t>
-            </a:r>
-            <a:endParaRPr lang="ko-KR" altLang="en-US" dirty="0"/>
+            <a:pPr marL="171450" indent="-171450">
+              <a:buFont typeface="Wingdings" panose="05000000000000000000" pitchFamily="2" charset="2"/>
+              <a:buChar char="§"/>
+            </a:pPr>
+            <a:r>
+              <a:rPr lang="ko-KR" altLang="en-US" sz="1200" dirty="0">
+                <a:hlinkClick r:id="rId2"/>
+              </a:rPr>
+              <a:t>https://</a:t>
+            </a:r>
+            <a:r>
+              <a:rPr lang="ko-KR" altLang="en-US" sz="1200" dirty="0" smtClean="0">
+                <a:hlinkClick r:id="rId2"/>
+              </a:rPr>
+              <a:t>sosal.kr/761</a:t>
+            </a:r>
+            <a:r>
+              <a:rPr lang="ko-KR" altLang="en-US" sz="1200" dirty="0" smtClean="0"/>
+              <a:t> </a:t>
+            </a:r>
+            <a:endParaRPr lang="ko-KR" altLang="en-US" sz="1200" dirty="0"/>
           </a:p>
         </p:txBody>
       </p:sp>
     </p:spTree>
     <p:extLst>
       <p:ext uri="{BB962C8B-B14F-4D97-AF65-F5344CB8AC3E}">
-        <p14:creationId xmlns:p14="http://schemas.microsoft.com/office/powerpoint/2010/main" val="3041235652"/>
+        <p14:creationId xmlns:p14="http://schemas.microsoft.com/office/powerpoint/2010/main" val="2169602194"/>
       </p:ext>
     </p:extLst>
   </p:cSld>
@@ -8066,8 +8067,8 @@
         </p:nvSpPr>
         <p:spPr>
           <a:xfrm>
-            <a:off x="2034395" y="2437291"/>
-            <a:ext cx="8335552" cy="1200329"/>
+            <a:off x="577336" y="385320"/>
+            <a:ext cx="3053208" cy="646331"/>
           </a:xfrm>
           <a:prstGeom prst="rect">
             <a:avLst/>
@@ -8080,76 +8081,156 @@
           <a:lstStyle/>
           <a:p>
             <a:r>
-              <a:rPr lang="en-US" altLang="ko-KR" sz="7200" b="1"/>
-              <a:t>MultiThreadServer</a:t>
-            </a:r>
-            <a:endParaRPr lang="ko-KR" altLang="en-US" sz="7200" b="1" dirty="0"/>
-          </a:p>
-        </p:txBody>
-      </p:sp>
-      <p:sp>
-        <p:nvSpPr>
-          <p:cNvPr id="4" name="직사각형 3">
+              <a:rPr lang="en-US" altLang="ko-KR" sz="3600" b="1" dirty="0" err="1"/>
+              <a:t>Socket.Select</a:t>
+            </a:r>
+            <a:endParaRPr lang="ko-KR" altLang="en-US" sz="3600" b="1" dirty="0"/>
+          </a:p>
+        </p:txBody>
+      </p:sp>
+      <p:sp>
+        <p:nvSpPr>
+          <p:cNvPr id="3" name="직사각형 2"/>
+          <p:cNvSpPr/>
+          <p:nvPr/>
+        </p:nvSpPr>
+        <p:spPr>
+          <a:xfrm>
+            <a:off x="6238682" y="6559868"/>
+            <a:ext cx="5909696" cy="261610"/>
+          </a:xfrm>
+          <a:prstGeom prst="rect">
+            <a:avLst/>
+          </a:prstGeom>
+        </p:spPr>
+        <p:txBody>
+          <a:bodyPr wrap="square">
+            <a:spAutoFit/>
+          </a:bodyPr>
+          <a:lstStyle/>
+          <a:p>
+            <a:r>
+              <a:rPr lang="en-US" altLang="ko-KR" sz="1100" dirty="0">
+                <a:hlinkClick r:id="rId2"/>
+              </a:rPr>
+              <a:t>https://msdn.microsoft.com/ko-kr/library/system.net.sockets.socket.select(v=vs.110).aspx</a:t>
+            </a:r>
+            <a:endParaRPr lang="ko-KR" altLang="en-US" sz="1100" dirty="0"/>
+          </a:p>
+        </p:txBody>
+      </p:sp>
+      <p:pic>
+        <p:nvPicPr>
+          <p:cNvPr id="7170" name="Picture 2"/>
+          <p:cNvPicPr>
+            <a:picLocks noChangeAspect="1" noChangeArrowheads="1"/>
+          </p:cNvPicPr>
+          <p:nvPr/>
+        </p:nvPicPr>
+        <p:blipFill>
+          <a:blip r:embed="rId3">
             <a:extLst>
-              <a:ext uri="{FF2B5EF4-FFF2-40B4-BE49-F238E27FC236}">
-                <a16:creationId xmlns:a16="http://schemas.microsoft.com/office/drawing/2014/main" id="{F0D6CBCC-4960-49FF-98F4-89E06C604CD6}"/>
+              <a:ext uri="{28A0092B-C50C-407E-A947-70E740481C1C}">
+                <a14:useLocalDpi xmlns:a14="http://schemas.microsoft.com/office/drawing/2010/main" val="0"/>
               </a:ext>
             </a:extLst>
-          </p:cNvPr>
-          <p:cNvSpPr/>
-          <p:nvPr/>
-        </p:nvSpPr>
-        <p:spPr>
-          <a:xfrm>
-            <a:off x="630584" y="460603"/>
-            <a:ext cx="4528804" cy="923330"/>
-          </a:xfrm>
-          <a:prstGeom prst="rect">
-            <a:avLst/>
-          </a:prstGeom>
-        </p:spPr>
-        <p:txBody>
-          <a:bodyPr wrap="none">
-            <a:spAutoFit/>
-          </a:bodyPr>
-          <a:lstStyle/>
-          <a:p>
-            <a:r>
-              <a:rPr lang="en-US" altLang="ko-KR" sz="5400" b="1" dirty="0">
+          </a:blip>
+          <a:srcRect/>
+          <a:stretch>
+            <a:fillRect/>
+          </a:stretch>
+        </p:blipFill>
+        <p:spPr bwMode="auto">
+          <a:xfrm>
+            <a:off x="582544" y="1890713"/>
+            <a:ext cx="4695825" cy="4219575"/>
+          </a:xfrm>
+          <a:prstGeom prst="rect">
+            <a:avLst/>
+          </a:prstGeom>
+          <a:noFill/>
+          <a:ln>
+            <a:noFill/>
+          </a:ln>
+          <a:extLst>
+            <a:ext uri="{909E8E84-426E-40DD-AFC4-6F175D3DCCD1}">
+              <a14:hiddenFill xmlns:a14="http://schemas.microsoft.com/office/drawing/2010/main">
                 <a:solidFill>
-                  <a:srgbClr val="002060"/>
+                  <a:schemeClr val="accent1"/>
                 </a:solidFill>
-              </a:rPr>
-              <a:t>Sample</a:t>
-            </a:r>
-            <a:r>
-              <a:rPr lang="ko-KR" altLang="en-US" sz="5400" b="1" dirty="0">
+              </a14:hiddenFill>
+            </a:ext>
+            <a:ext uri="{91240B29-F687-4F45-9708-019B960494DF}">
+              <a14:hiddenLine xmlns:a14="http://schemas.microsoft.com/office/drawing/2010/main" w="9525">
                 <a:solidFill>
-                  <a:srgbClr val="002060"/>
+                  <a:schemeClr val="tx1"/>
                 </a:solidFill>
-              </a:rPr>
-              <a:t> </a:t>
-            </a:r>
-            <a:r>
-              <a:rPr lang="en-US" altLang="ko-KR" sz="5400" b="1" dirty="0">
+                <a:miter lim="800000"/>
+                <a:headEnd/>
+                <a:tailEnd/>
+              </a14:hiddenLine>
+            </a:ext>
+          </a:extLst>
+        </p:spPr>
+      </p:pic>
+      <p:pic>
+        <p:nvPicPr>
+          <p:cNvPr id="7171" name="Picture 3"/>
+          <p:cNvPicPr>
+            <a:picLocks noChangeAspect="1" noChangeArrowheads="1"/>
+          </p:cNvPicPr>
+          <p:nvPr/>
+        </p:nvPicPr>
+        <p:blipFill>
+          <a:blip r:embed="rId4">
+            <a:extLst>
+              <a:ext uri="{28A0092B-C50C-407E-A947-70E740481C1C}">
+                <a14:useLocalDpi xmlns:a14="http://schemas.microsoft.com/office/drawing/2010/main" val="0"/>
+              </a:ext>
+            </a:extLst>
+          </a:blip>
+          <a:srcRect/>
+          <a:stretch>
+            <a:fillRect/>
+          </a:stretch>
+        </p:blipFill>
+        <p:spPr bwMode="auto">
+          <a:xfrm>
+            <a:off x="6305550" y="1776413"/>
+            <a:ext cx="5067300" cy="4714875"/>
+          </a:xfrm>
+          <a:prstGeom prst="rect">
+            <a:avLst/>
+          </a:prstGeom>
+          <a:noFill/>
+          <a:ln>
+            <a:noFill/>
+          </a:ln>
+          <a:extLst>
+            <a:ext uri="{909E8E84-426E-40DD-AFC4-6F175D3DCCD1}">
+              <a14:hiddenFill xmlns:a14="http://schemas.microsoft.com/office/drawing/2010/main">
                 <a:solidFill>
-                  <a:srgbClr val="002060"/>
+                  <a:schemeClr val="accent1"/>
                 </a:solidFill>
-              </a:rPr>
-              <a:t>Code</a:t>
-            </a:r>
-            <a:endParaRPr lang="ko-KR" altLang="en-US" sz="5400" b="1" dirty="0">
-              <a:solidFill>
-                <a:srgbClr val="002060"/>
-              </a:solidFill>
-            </a:endParaRPr>
-          </a:p>
-        </p:txBody>
-      </p:sp>
+              </a14:hiddenFill>
+            </a:ext>
+            <a:ext uri="{91240B29-F687-4F45-9708-019B960494DF}">
+              <a14:hiddenLine xmlns:a14="http://schemas.microsoft.com/office/drawing/2010/main" w="9525">
+                <a:solidFill>
+                  <a:schemeClr val="tx1"/>
+                </a:solidFill>
+                <a:miter lim="800000"/>
+                <a:headEnd/>
+                <a:tailEnd/>
+              </a14:hiddenLine>
+            </a:ext>
+          </a:extLst>
+        </p:spPr>
+      </p:pic>
     </p:spTree>
     <p:extLst>
       <p:ext uri="{BB962C8B-B14F-4D97-AF65-F5344CB8AC3E}">
-        <p14:creationId xmlns:p14="http://schemas.microsoft.com/office/powerpoint/2010/main" val="2169602194"/>
+        <p14:creationId xmlns:p14="http://schemas.microsoft.com/office/powerpoint/2010/main" val="424072675"/>
       </p:ext>
     </p:extLst>
   </p:cSld>
@@ -8184,8 +8265,8 @@
         </p:nvSpPr>
         <p:spPr>
           <a:xfrm>
-            <a:off x="577336" y="385320"/>
-            <a:ext cx="3053208" cy="646331"/>
+            <a:off x="3277004" y="687375"/>
+            <a:ext cx="5898666" cy="1200329"/>
           </a:xfrm>
           <a:prstGeom prst="rect">
             <a:avLst/>
@@ -8198,10 +8279,9 @@
           <a:lstStyle/>
           <a:p>
             <a:r>
-              <a:rPr lang="en-US" altLang="ko-KR" sz="3600" b="1" dirty="0" err="1"/>
-              <a:t>Socket.Select</a:t>
-            </a:r>
-            <a:endParaRPr lang="ko-KR" altLang="en-US" sz="3600" b="1" dirty="0"/>
+              <a:rPr lang="en-US" altLang="ko-KR" sz="7200" b="1" dirty="0"/>
+              <a:t>Select Server</a:t>
+            </a:r>
           </a:p>
         </p:txBody>
       </p:sp>
@@ -8213,8 +8293,8 @@
         </p:nvSpPr>
         <p:spPr>
           <a:xfrm>
-            <a:off x="6238682" y="6559868"/>
-            <a:ext cx="5909696" cy="261610"/>
+            <a:off x="2076026" y="2477272"/>
+            <a:ext cx="8300622" cy="523220"/>
           </a:xfrm>
           <a:prstGeom prst="rect">
             <a:avLst/>
@@ -8226,128 +8306,57 @@
           </a:bodyPr>
           <a:lstStyle/>
           <a:p>
-            <a:r>
-              <a:rPr lang="en-US" altLang="ko-KR" sz="1100" dirty="0">
+            <a:pPr marL="285750" indent="-285750">
+              <a:buFont typeface="Wingdings" panose="05000000000000000000" pitchFamily="2" charset="2"/>
+              <a:buChar char="§"/>
+            </a:pPr>
+            <a:r>
+              <a:rPr lang="ko-KR" altLang="en-US" sz="1400" dirty="0">
                 <a:hlinkClick r:id="rId2"/>
               </a:rPr>
-              <a:t>https://msdn.microsoft.com/ko-kr/library/system.net.sockets.socket.select(v=vs.110).aspx</a:t>
-            </a:r>
-            <a:endParaRPr lang="ko-KR" altLang="en-US" sz="1100" dirty="0"/>
-          </a:p>
-        </p:txBody>
-      </p:sp>
-      <p:pic>
-        <p:nvPicPr>
-          <p:cNvPr id="7170" name="Picture 2"/>
-          <p:cNvPicPr>
-            <a:picLocks noChangeAspect="1" noChangeArrowheads="1"/>
-          </p:cNvPicPr>
-          <p:nvPr/>
-        </p:nvPicPr>
-        <p:blipFill>
-          <a:blip r:embed="rId3">
-            <a:extLst>
-              <a:ext uri="{28A0092B-C50C-407E-A947-70E740481C1C}">
-                <a14:useLocalDpi xmlns:a14="http://schemas.microsoft.com/office/drawing/2010/main" val="0"/>
-              </a:ext>
-            </a:extLst>
-          </a:blip>
-          <a:srcRect/>
-          <a:stretch>
-            <a:fillRect/>
-          </a:stretch>
-        </p:blipFill>
-        <p:spPr bwMode="auto">
-          <a:xfrm>
-            <a:off x="582544" y="1890713"/>
-            <a:ext cx="4695825" cy="4219575"/>
-          </a:xfrm>
-          <a:prstGeom prst="rect">
-            <a:avLst/>
-          </a:prstGeom>
-          <a:noFill/>
-          <a:ln>
-            <a:noFill/>
-          </a:ln>
-          <a:extLst>
-            <a:ext uri="{909E8E84-426E-40DD-AFC4-6F175D3DCCD1}">
-              <a14:hiddenFill xmlns:a14="http://schemas.microsoft.com/office/drawing/2010/main">
-                <a:solidFill>
-                  <a:schemeClr val="accent1"/>
-                </a:solidFill>
-              </a14:hiddenFill>
-            </a:ext>
-            <a:ext uri="{91240B29-F687-4F45-9708-019B960494DF}">
-              <a14:hiddenLine xmlns:a14="http://schemas.microsoft.com/office/drawing/2010/main" w="9525">
-                <a:solidFill>
-                  <a:schemeClr val="tx1"/>
-                </a:solidFill>
-                <a:miter lim="800000"/>
-                <a:headEnd/>
-                <a:tailEnd/>
-              </a14:hiddenLine>
-            </a:ext>
-          </a:extLst>
-        </p:spPr>
-      </p:pic>
-      <p:pic>
-        <p:nvPicPr>
-          <p:cNvPr id="7171" name="Picture 3"/>
-          <p:cNvPicPr>
-            <a:picLocks noChangeAspect="1" noChangeArrowheads="1"/>
-          </p:cNvPicPr>
-          <p:nvPr/>
-        </p:nvPicPr>
-        <p:blipFill>
-          <a:blip r:embed="rId4">
-            <a:extLst>
-              <a:ext uri="{28A0092B-C50C-407E-A947-70E740481C1C}">
-                <a14:useLocalDpi xmlns:a14="http://schemas.microsoft.com/office/drawing/2010/main" val="0"/>
-              </a:ext>
-            </a:extLst>
-          </a:blip>
-          <a:srcRect/>
-          <a:stretch>
-            <a:fillRect/>
-          </a:stretch>
-        </p:blipFill>
-        <p:spPr bwMode="auto">
-          <a:xfrm>
-            <a:off x="6305550" y="1776413"/>
-            <a:ext cx="5067300" cy="4714875"/>
-          </a:xfrm>
-          <a:prstGeom prst="rect">
-            <a:avLst/>
-          </a:prstGeom>
-          <a:noFill/>
-          <a:ln>
-            <a:noFill/>
-          </a:ln>
-          <a:extLst>
-            <a:ext uri="{909E8E84-426E-40DD-AFC4-6F175D3DCCD1}">
-              <a14:hiddenFill xmlns:a14="http://schemas.microsoft.com/office/drawing/2010/main">
-                <a:solidFill>
-                  <a:schemeClr val="accent1"/>
-                </a:solidFill>
-              </a14:hiddenFill>
-            </a:ext>
-            <a:ext uri="{91240B29-F687-4F45-9708-019B960494DF}">
-              <a14:hiddenLine xmlns:a14="http://schemas.microsoft.com/office/drawing/2010/main" w="9525">
-                <a:solidFill>
-                  <a:schemeClr val="tx1"/>
-                </a:solidFill>
-                <a:miter lim="800000"/>
-                <a:headEnd/>
-                <a:tailEnd/>
-              </a14:hiddenLine>
-            </a:ext>
-          </a:extLst>
-        </p:spPr>
-      </p:pic>
+              <a:t>http://</a:t>
+            </a:r>
+            <a:r>
+              <a:rPr lang="ko-KR" altLang="en-US" sz="1400" dirty="0" smtClean="0">
+                <a:hlinkClick r:id="rId2"/>
+              </a:rPr>
+              <a:t>greenday96.blogspot.com/2016/07/c-select-c-socket-select.html</a:t>
+            </a:r>
+            <a:r>
+              <a:rPr lang="ko-KR" altLang="en-US" sz="1400" dirty="0" smtClean="0"/>
+              <a:t> </a:t>
+            </a:r>
+            <a:endParaRPr lang="ko-KR" altLang="en-US" sz="1400" dirty="0"/>
+          </a:p>
+          <a:p>
+            <a:pPr marL="285750" indent="-285750">
+              <a:buFont typeface="Wingdings" panose="05000000000000000000" pitchFamily="2" charset="2"/>
+              <a:buChar char="§"/>
+            </a:pPr>
+            <a:r>
+              <a:rPr lang="ko-KR" altLang="en-US" sz="1400" dirty="0">
+                <a:hlinkClick r:id="rId3"/>
+              </a:rPr>
+              <a:t>https://</a:t>
+            </a:r>
+            <a:r>
+              <a:rPr lang="ko-KR" altLang="en-US" sz="1400" dirty="0" smtClean="0">
+                <a:hlinkClick r:id="rId3"/>
+              </a:rPr>
+              <a:t>docs.microsoft.com/ko-kr/dotnet/api/system.net.sockets.socket.select?view=netcore-2.2</a:t>
+            </a:r>
+            <a:r>
+              <a:rPr lang="ko-KR" altLang="en-US" sz="1400" dirty="0" smtClean="0"/>
+              <a:t> </a:t>
+            </a:r>
+            <a:endParaRPr lang="ko-KR" altLang="en-US" sz="1400" dirty="0"/>
+          </a:p>
+        </p:txBody>
+      </p:sp>
     </p:spTree>
     <p:extLst>
       <p:ext uri="{BB962C8B-B14F-4D97-AF65-F5344CB8AC3E}">
-        <p14:creationId xmlns:p14="http://schemas.microsoft.com/office/powerpoint/2010/main" val="424072675"/>
+        <p14:creationId xmlns:p14="http://schemas.microsoft.com/office/powerpoint/2010/main" val="86796680"/>
       </p:ext>
     </p:extLst>
   </p:cSld>
@@ -8443,7 +8452,7 @@
           <p:cNvPr id="4" name="그림 3">
             <a:extLst>
               <a:ext uri="{FF2B5EF4-FFF2-40B4-BE49-F238E27FC236}">
-                <a16:creationId xmlns:a16="http://schemas.microsoft.com/office/drawing/2014/main" id="{2E50ABF4-B8A1-4D4C-9E32-EA7C8E1654CA}"/>
+                <a16:creationId xmlns:a16="http://schemas.microsoft.com/office/drawing/2014/main" xmlns="" id="{2E50ABF4-B8A1-4D4C-9E32-EA7C8E1654CA}"/>
               </a:ext>
             </a:extLst>
           </p:cNvPr>
@@ -8473,7 +8482,7 @@
           <p:cNvPr id="5" name="그림 4">
             <a:extLst>
               <a:ext uri="{FF2B5EF4-FFF2-40B4-BE49-F238E27FC236}">
-                <a16:creationId xmlns:a16="http://schemas.microsoft.com/office/drawing/2014/main" id="{B57CE199-53C5-42A2-8466-36C368621DB0}"/>
+                <a16:creationId xmlns:a16="http://schemas.microsoft.com/office/drawing/2014/main" xmlns="" id="{B57CE199-53C5-42A2-8466-36C368621DB0}"/>
               </a:ext>
             </a:extLst>
           </p:cNvPr>
@@ -8536,8 +8545,8 @@
         </p:nvSpPr>
         <p:spPr>
           <a:xfrm>
-            <a:off x="3507823" y="2489542"/>
-            <a:ext cx="5898666" cy="1200329"/>
+            <a:off x="3915447" y="2489542"/>
+            <a:ext cx="4766369" cy="1200329"/>
           </a:xfrm>
           <a:prstGeom prst="rect">
             <a:avLst/>
@@ -8551,8 +8560,17 @@
           <a:p>
             <a:r>
               <a:rPr lang="en-US" altLang="ko-KR" sz="7200" b="1" dirty="0"/>
-              <a:t>Select Server</a:t>
-            </a:r>
+              <a:t>Test</a:t>
+            </a:r>
+            <a:r>
+              <a:rPr lang="ko-KR" altLang="en-US" sz="7200" b="1" dirty="0"/>
+              <a:t> </a:t>
+            </a:r>
+            <a:r>
+              <a:rPr lang="en-US" altLang="ko-KR" sz="7200" b="1" dirty="0"/>
+              <a:t>Client</a:t>
+            </a:r>
+            <a:endParaRPr lang="ko-KR" altLang="en-US" sz="7200" b="1" dirty="0"/>
           </a:p>
         </p:txBody>
       </p:sp>
@@ -8561,7 +8579,7 @@
           <p:cNvPr id="4" name="직사각형 3">
             <a:extLst>
               <a:ext uri="{FF2B5EF4-FFF2-40B4-BE49-F238E27FC236}">
-                <a16:creationId xmlns:a16="http://schemas.microsoft.com/office/drawing/2014/main" id="{F0D6CBCC-4960-49FF-98F4-89E06C604CD6}"/>
+                <a16:creationId xmlns:a16="http://schemas.microsoft.com/office/drawing/2014/main" xmlns="" id="{F0D6CBCC-4960-49FF-98F4-89E06C604CD6}"/>
               </a:ext>
             </a:extLst>
           </p:cNvPr>
@@ -8618,7 +8636,7 @@
     </p:spTree>
     <p:extLst>
       <p:ext uri="{BB962C8B-B14F-4D97-AF65-F5344CB8AC3E}">
-        <p14:creationId xmlns:p14="http://schemas.microsoft.com/office/powerpoint/2010/main" val="86796680"/>
+        <p14:creationId xmlns:p14="http://schemas.microsoft.com/office/powerpoint/2010/main" val="2437758648"/>
       </p:ext>
     </p:extLst>
   </p:cSld>
@@ -8647,132 +8665,6 @@
       </p:grpSpPr>
       <p:sp>
         <p:nvSpPr>
-          <p:cNvPr id="2" name="직사각형 1"/>
-          <p:cNvSpPr/>
-          <p:nvPr/>
-        </p:nvSpPr>
-        <p:spPr>
-          <a:xfrm>
-            <a:off x="3915447" y="2489542"/>
-            <a:ext cx="4766369" cy="1200329"/>
-          </a:xfrm>
-          <a:prstGeom prst="rect">
-            <a:avLst/>
-          </a:prstGeom>
-        </p:spPr>
-        <p:txBody>
-          <a:bodyPr wrap="none">
-            <a:spAutoFit/>
-          </a:bodyPr>
-          <a:lstStyle/>
-          <a:p>
-            <a:r>
-              <a:rPr lang="en-US" altLang="ko-KR" sz="7200" b="1" dirty="0"/>
-              <a:t>Test</a:t>
-            </a:r>
-            <a:r>
-              <a:rPr lang="ko-KR" altLang="en-US" sz="7200" b="1" dirty="0"/>
-              <a:t> </a:t>
-            </a:r>
-            <a:r>
-              <a:rPr lang="en-US" altLang="ko-KR" sz="7200" b="1" dirty="0"/>
-              <a:t>Client</a:t>
-            </a:r>
-            <a:endParaRPr lang="ko-KR" altLang="en-US" sz="7200" b="1" dirty="0"/>
-          </a:p>
-        </p:txBody>
-      </p:sp>
-      <p:sp>
-        <p:nvSpPr>
-          <p:cNvPr id="4" name="직사각형 3">
-            <a:extLst>
-              <a:ext uri="{FF2B5EF4-FFF2-40B4-BE49-F238E27FC236}">
-                <a16:creationId xmlns:a16="http://schemas.microsoft.com/office/drawing/2014/main" id="{F0D6CBCC-4960-49FF-98F4-89E06C604CD6}"/>
-              </a:ext>
-            </a:extLst>
-          </p:cNvPr>
-          <p:cNvSpPr/>
-          <p:nvPr/>
-        </p:nvSpPr>
-        <p:spPr>
-          <a:xfrm>
-            <a:off x="630584" y="460603"/>
-            <a:ext cx="4528804" cy="923330"/>
-          </a:xfrm>
-          <a:prstGeom prst="rect">
-            <a:avLst/>
-          </a:prstGeom>
-        </p:spPr>
-        <p:txBody>
-          <a:bodyPr wrap="none">
-            <a:spAutoFit/>
-          </a:bodyPr>
-          <a:lstStyle/>
-          <a:p>
-            <a:r>
-              <a:rPr lang="en-US" altLang="ko-KR" sz="5400" b="1" dirty="0">
-                <a:solidFill>
-                  <a:srgbClr val="002060"/>
-                </a:solidFill>
-              </a:rPr>
-              <a:t>Sample</a:t>
-            </a:r>
-            <a:r>
-              <a:rPr lang="ko-KR" altLang="en-US" sz="5400" b="1" dirty="0">
-                <a:solidFill>
-                  <a:srgbClr val="002060"/>
-                </a:solidFill>
-              </a:rPr>
-              <a:t> </a:t>
-            </a:r>
-            <a:r>
-              <a:rPr lang="en-US" altLang="ko-KR" sz="5400" b="1" dirty="0">
-                <a:solidFill>
-                  <a:srgbClr val="002060"/>
-                </a:solidFill>
-              </a:rPr>
-              <a:t>Code</a:t>
-            </a:r>
-            <a:endParaRPr lang="ko-KR" altLang="en-US" sz="5400" b="1" dirty="0">
-              <a:solidFill>
-                <a:srgbClr val="002060"/>
-              </a:solidFill>
-            </a:endParaRPr>
-          </a:p>
-        </p:txBody>
-      </p:sp>
-    </p:spTree>
-    <p:extLst>
-      <p:ext uri="{BB962C8B-B14F-4D97-AF65-F5344CB8AC3E}">
-        <p14:creationId xmlns:p14="http://schemas.microsoft.com/office/powerpoint/2010/main" val="2437758648"/>
-      </p:ext>
-    </p:extLst>
-  </p:cSld>
-  <p:clrMapOvr>
-    <a:masterClrMapping/>
-  </p:clrMapOvr>
-</p:sld>
-</file>
-
-<file path=ppt/slides/slide29.xml><?xml version="1.0" encoding="utf-8"?>
-<p:sld xmlns:a="http://schemas.openxmlformats.org/drawingml/2006/main" xmlns:r="http://schemas.openxmlformats.org/officeDocument/2006/relationships" xmlns:p="http://schemas.openxmlformats.org/presentationml/2006/main">
-  <p:cSld>
-    <p:spTree>
-      <p:nvGrpSpPr>
-        <p:cNvPr id="1" name=""/>
-        <p:cNvGrpSpPr/>
-        <p:nvPr/>
-      </p:nvGrpSpPr>
-      <p:grpSpPr>
-        <a:xfrm>
-          <a:off x="0" y="0"/>
-          <a:ext cx="0" cy="0"/>
-          <a:chOff x="0" y="0"/>
-          <a:chExt cx="0" cy="0"/>
-        </a:xfrm>
-      </p:grpSpPr>
-      <p:sp>
-        <p:nvSpPr>
           <p:cNvPr id="6" name="직사각형 5"/>
           <p:cNvSpPr/>
           <p:nvPr/>
@@ -8835,7 +8727,7 @@
           <p:cNvPr id="2" name="그림 1">
             <a:extLst>
               <a:ext uri="{FF2B5EF4-FFF2-40B4-BE49-F238E27FC236}">
-                <a16:creationId xmlns:a16="http://schemas.microsoft.com/office/drawing/2014/main" id="{A4810F26-83D5-49B3-BC1E-A13E24872ADB}"/>
+                <a16:creationId xmlns:a16="http://schemas.microsoft.com/office/drawing/2014/main" xmlns="" id="{A4810F26-83D5-49B3-BC1E-A13E24872ADB}"/>
               </a:ext>
             </a:extLst>
           </p:cNvPr>
@@ -8973,6 +8865,10 @@
               <a:rPr lang="en-US" altLang="ko-KR" sz="2400" dirty="0" err="1"/>
               <a:t>BufferedStream</a:t>
             </a:r>
+            <a:r>
+              <a:rPr lang="en-US" altLang="ko-KR" sz="2400" dirty="0"/>
+              <a:t/>
+            </a:r>
             <a:br>
               <a:rPr lang="en-US" altLang="ko-KR" sz="2400" dirty="0"/>
             </a:br>
@@ -8995,6 +8891,10 @@
             <a:r>
               <a:rPr lang="ko-KR" altLang="en-US" sz="2400" dirty="0"/>
               <a:t> 스트림</a:t>
+            </a:r>
+            <a:r>
+              <a:rPr lang="en-US" altLang="ko-KR" sz="2400" dirty="0"/>
+              <a:t/>
             </a:r>
             <a:br>
               <a:rPr lang="en-US" altLang="ko-KR" sz="2400" dirty="0"/>
@@ -9104,6 +9004,10 @@
               <a:rPr lang="en-US" altLang="ko-KR" sz="2400" dirty="0" err="1"/>
               <a:t>StreamWriter</a:t>
             </a:r>
+            <a:r>
+              <a:rPr lang="en-US" altLang="ko-KR" sz="2400" dirty="0"/>
+              <a:t/>
+            </a:r>
             <a:br>
               <a:rPr lang="en-US" altLang="ko-KR" sz="2400" dirty="0"/>
             </a:br>
@@ -9197,7 +9101,7 @@
           <p:cNvPr id="4" name="직사각형 3">
             <a:extLst>
               <a:ext uri="{FF2B5EF4-FFF2-40B4-BE49-F238E27FC236}">
-                <a16:creationId xmlns:a16="http://schemas.microsoft.com/office/drawing/2014/main" id="{3F46FE35-D887-4680-BD8B-3435DCD773BF}"/>
+                <a16:creationId xmlns:a16="http://schemas.microsoft.com/office/drawing/2014/main" xmlns="" id="{3F46FE35-D887-4680-BD8B-3435DCD773BF}"/>
               </a:ext>
             </a:extLst>
           </p:cNvPr>
@@ -10583,7 +10487,7 @@
           <p:cNvPr id="4" name="직사각형 3">
             <a:extLst>
               <a:ext uri="{FF2B5EF4-FFF2-40B4-BE49-F238E27FC236}">
-                <a16:creationId xmlns:a16="http://schemas.microsoft.com/office/drawing/2014/main" id="{F0D6CBCC-4960-49FF-98F4-89E06C604CD6}"/>
+                <a16:creationId xmlns:a16="http://schemas.microsoft.com/office/drawing/2014/main" xmlns="" id="{F0D6CBCC-4960-49FF-98F4-89E06C604CD6}"/>
               </a:ext>
             </a:extLst>
           </p:cNvPr>
